--- a/2024/06_Цели проектов ИИ.pptx
+++ b/2024/06_Цели проектов ИИ.pptx
@@ -329,7 +329,7 @@
       </p15:sldGuideLst>
     </p:ext>
     <p:ext uri="http://customooxmlschemas.google.com/">
-      <go:slidesCustomData xmlns="" xmlns:mc="http://schemas.openxmlformats.org/markup-compatibility/2006" xmlns:mv="urn:schemas-microsoft-com:mac:vml" xmlns:c="http://schemas.openxmlformats.org/drawingml/2006/chart" xmlns:dgm="http://schemas.openxmlformats.org/drawingml/2006/diagram" xmlns:o="urn:schemas-microsoft-com:office:office" xmlns:v="urn:schemas-microsoft-com:vml" xmlns:pvml="urn:schemas-microsoft-com:office:powerpoint" xmlns:com="http://schemas.openxmlformats.org/drawingml/2006/compatibility" xmlns:p14="http://schemas.microsoft.com/office/powerpoint/2010/main" xmlns:p15="http://schemas.microsoft.com/office/powerpoint/2012/main" xmlns:ahyp="http://schemas.microsoft.com/office/drawing/2018/hyperlinkcolor" xmlns:go="http://customooxmlschemas.google.com/" r:id="rId110" roundtripDataSignature="AMtx7mj3sTd9pDXQHbOoTcPDxTbIlpDeXA=="/>
+      <go:slidesCustomData xmlns:go="http://customooxmlschemas.google.com/" xmlns:ahyp="http://schemas.microsoft.com/office/drawing/2018/hyperlinkcolor" xmlns:p15="http://schemas.microsoft.com/office/powerpoint/2012/main" xmlns:p14="http://schemas.microsoft.com/office/powerpoint/2010/main" xmlns:com="http://schemas.openxmlformats.org/drawingml/2006/compatibility" xmlns:pvml="urn:schemas-microsoft-com:office:powerpoint" xmlns:v="urn:schemas-microsoft-com:vml" xmlns:o="urn:schemas-microsoft-com:office:office" xmlns:dgm="http://schemas.openxmlformats.org/drawingml/2006/diagram" xmlns:c="http://schemas.openxmlformats.org/drawingml/2006/chart" xmlns:mv="urn:schemas-microsoft-com:mac:vml" xmlns:mc="http://schemas.openxmlformats.org/markup-compatibility/2006" xmlns="" r:id="rId110" roundtripDataSignature="AMtx7mj3sTd9pDXQHbOoTcPDxTbIlpDeXA=="/>
     </p:ext>
   </p:extLst>
 </p:presentation>
@@ -16810,7 +16810,54 @@
                 <a:cs typeface="Roboto Medium"/>
                 <a:sym typeface="Roboto Medium"/>
               </a:rPr>
-              <a:t>Классические методики управления проектами ИИ</a:t>
+              <a:t>Классические </a:t>
+            </a:r>
+            <a:r>
+              <a:rPr lang="ru-RU" sz="4400" dirty="0" smtClean="0">
+                <a:solidFill>
+                  <a:srgbClr val="FF0000"/>
+                </a:solidFill>
+                <a:latin typeface="Roboto Medium"/>
+                <a:ea typeface="Roboto Medium"/>
+                <a:cs typeface="Roboto Medium"/>
+                <a:sym typeface="Roboto Medium"/>
+              </a:rPr>
+              <a:t>модели проектов с</a:t>
+            </a:r>
+            <a:br>
+              <a:rPr lang="ru-RU" sz="4400" dirty="0" smtClean="0">
+                <a:solidFill>
+                  <a:srgbClr val="FF0000"/>
+                </a:solidFill>
+                <a:latin typeface="Roboto Medium"/>
+                <a:ea typeface="Roboto Medium"/>
+                <a:cs typeface="Roboto Medium"/>
+                <a:sym typeface="Roboto Medium"/>
+              </a:rPr>
+            </a:br>
+            <a:r>
+              <a:rPr lang="ru-RU" sz="4400" dirty="0" smtClean="0">
+                <a:solidFill>
+                  <a:srgbClr val="FF0000"/>
+                </a:solidFill>
+                <a:latin typeface="Roboto Medium"/>
+                <a:ea typeface="Roboto Medium"/>
+                <a:cs typeface="Roboto Medium"/>
+                <a:sym typeface="Roboto Medium"/>
+              </a:rPr>
+              <a:t> </a:t>
+            </a:r>
+            <a:r>
+              <a:rPr lang="ru-RU" sz="4400" dirty="0">
+                <a:solidFill>
+                  <a:srgbClr val="FF0000"/>
+                </a:solidFill>
+                <a:latin typeface="Roboto Medium"/>
+                <a:ea typeface="Roboto Medium"/>
+                <a:cs typeface="Roboto Medium"/>
+                <a:sym typeface="Roboto Medium"/>
+              </a:rPr>
+              <a:t>ИИ</a:t>
             </a:r>
             <a:endParaRPr sz="4400" dirty="0">
               <a:solidFill>
@@ -20927,7 +20974,7 @@
 </file>
 
 <file path=ppt/slides/slide2.xml><?xml version="1.0" encoding="utf-8"?>
-<p:sld xmlns:a="http://schemas.openxmlformats.org/drawingml/2006/main" xmlns:r="http://schemas.openxmlformats.org/officeDocument/2006/relationships" xmlns:p="http://schemas.openxmlformats.org/presentationml/2006/main">
+<p:sld xmlns:a="http://schemas.openxmlformats.org/drawingml/2006/main" xmlns:r="http://schemas.openxmlformats.org/officeDocument/2006/relationships" xmlns:p="http://schemas.openxmlformats.org/presentationml/2006/main" show="0">
   <p:cSld>
     <p:spTree>
       <p:nvGrpSpPr>
@@ -21490,6 +21537,14 @@
   <p:clrMapOvr>
     <a:masterClrMapping/>
   </p:clrMapOvr>
+  <mc:AlternateContent xmlns:mc="http://schemas.openxmlformats.org/markup-compatibility/2006">
+    <mc:Choice xmlns:p14="http://schemas.microsoft.com/office/powerpoint/2010/main" Requires="p14">
+      <p:transition spd="slow" p14:dur="2000"/>
+    </mc:Choice>
+    <mc:Fallback>
+      <p:transition spd="slow"/>
+    </mc:Fallback>
+  </mc:AlternateContent>
   <p:timing>
     <p:tnLst>
       <p:par>
@@ -26386,7 +26441,7 @@
 </file>
 
 <file path=ppt/slides/slide3.xml><?xml version="1.0" encoding="utf-8"?>
-<p:sld xmlns:a="http://schemas.openxmlformats.org/drawingml/2006/main" xmlns:r="http://schemas.openxmlformats.org/officeDocument/2006/relationships" xmlns:p="http://schemas.openxmlformats.org/presentationml/2006/main">
+<p:sld xmlns:a="http://schemas.openxmlformats.org/drawingml/2006/main" xmlns:r="http://schemas.openxmlformats.org/officeDocument/2006/relationships" xmlns:p="http://schemas.openxmlformats.org/presentationml/2006/main" show="0">
   <p:cSld>
     <p:spTree>
       <p:nvGrpSpPr>
@@ -26951,6 +27006,14 @@
   <p:clrMapOvr>
     <a:masterClrMapping/>
   </p:clrMapOvr>
+  <mc:AlternateContent xmlns:mc="http://schemas.openxmlformats.org/markup-compatibility/2006">
+    <mc:Choice xmlns:p14="http://schemas.microsoft.com/office/powerpoint/2010/main" Requires="p14">
+      <p:transition spd="slow" p14:dur="2000"/>
+    </mc:Choice>
+    <mc:Fallback>
+      <p:transition spd="slow"/>
+    </mc:Fallback>
+  </mc:AlternateContent>
   <p:timing>
     <p:tnLst>
       <p:par>
@@ -27909,7 +27972,7 @@
 </file>
 
 <file path=ppt/slides/slide32.xml><?xml version="1.0" encoding="utf-8"?>
-<p:sld xmlns:a="http://schemas.openxmlformats.org/drawingml/2006/main" xmlns:r="http://schemas.openxmlformats.org/officeDocument/2006/relationships" xmlns:p="http://schemas.openxmlformats.org/presentationml/2006/main">
+<p:sld xmlns:a="http://schemas.openxmlformats.org/drawingml/2006/main" xmlns:r="http://schemas.openxmlformats.org/officeDocument/2006/relationships" xmlns:p="http://schemas.openxmlformats.org/presentationml/2006/main" show="0">
   <p:cSld>
     <p:spTree>
       <p:nvGrpSpPr>
@@ -28372,6 +28435,14 @@
   <p:clrMapOvr>
     <a:masterClrMapping/>
   </p:clrMapOvr>
+  <mc:AlternateContent xmlns:mc="http://schemas.openxmlformats.org/markup-compatibility/2006">
+    <mc:Choice xmlns:p14="http://schemas.microsoft.com/office/powerpoint/2010/main" Requires="p14">
+      <p:transition spd="slow" p14:dur="2000"/>
+    </mc:Choice>
+    <mc:Fallback>
+      <p:transition spd="slow"/>
+    </mc:Fallback>
+  </mc:AlternateContent>
   <p:timing>
     <p:tnLst>
       <p:par>
@@ -28768,7 +28839,7 @@
 </file>
 
 <file path=ppt/slides/slide34.xml><?xml version="1.0" encoding="utf-8"?>
-<p:sld xmlns:a="http://schemas.openxmlformats.org/drawingml/2006/main" xmlns:r="http://schemas.openxmlformats.org/officeDocument/2006/relationships" xmlns:p="http://schemas.openxmlformats.org/presentationml/2006/main">
+<p:sld xmlns:a="http://schemas.openxmlformats.org/drawingml/2006/main" xmlns:r="http://schemas.openxmlformats.org/officeDocument/2006/relationships" xmlns:p="http://schemas.openxmlformats.org/presentationml/2006/main" show="0">
   <p:cSld>
     <p:spTree>
       <p:nvGrpSpPr>
@@ -29423,6 +29494,14 @@
   <p:clrMapOvr>
     <a:masterClrMapping/>
   </p:clrMapOvr>
+  <mc:AlternateContent xmlns:mc="http://schemas.openxmlformats.org/markup-compatibility/2006">
+    <mc:Choice xmlns:p14="http://schemas.microsoft.com/office/powerpoint/2010/main" Requires="p14">
+      <p:transition spd="slow" p14:dur="2000"/>
+    </mc:Choice>
+    <mc:Fallback>
+      <p:transition spd="slow"/>
+    </mc:Fallback>
+  </mc:AlternateContent>
   <p:timing>
     <p:tnLst>
       <p:par>
@@ -29434,7 +29513,7 @@
 </file>
 
 <file path=ppt/slides/slide35.xml><?xml version="1.0" encoding="utf-8"?>
-<p:sld xmlns:a="http://schemas.openxmlformats.org/drawingml/2006/main" xmlns:r="http://schemas.openxmlformats.org/officeDocument/2006/relationships" xmlns:p="http://schemas.openxmlformats.org/presentationml/2006/main">
+<p:sld xmlns:a="http://schemas.openxmlformats.org/drawingml/2006/main" xmlns:r="http://schemas.openxmlformats.org/officeDocument/2006/relationships" xmlns:p="http://schemas.openxmlformats.org/presentationml/2006/main" show="0">
   <p:cSld>
     <p:spTree>
       <p:nvGrpSpPr>
@@ -29590,6 +29669,14 @@
   <p:clrMapOvr>
     <a:masterClrMapping/>
   </p:clrMapOvr>
+  <mc:AlternateContent xmlns:mc="http://schemas.openxmlformats.org/markup-compatibility/2006">
+    <mc:Choice xmlns:p14="http://schemas.microsoft.com/office/powerpoint/2010/main" Requires="p14">
+      <p:transition spd="slow" p14:dur="2000"/>
+    </mc:Choice>
+    <mc:Fallback>
+      <p:transition spd="slow"/>
+    </mc:Fallback>
+  </mc:AlternateContent>
   <p:timing>
     <p:tnLst>
       <p:par>
@@ -32067,7 +32154,7 @@
         </p:blipFill>
         <p:spPr>
           <a:xfrm>
-            <a:off x="175259" y="1188860"/>
+            <a:off x="218461" y="1228049"/>
             <a:ext cx="3566161" cy="4945240"/>
           </a:xfrm>
           <a:prstGeom prst="rect">
@@ -32156,7 +32243,7 @@
         </p:nvSpPr>
         <p:spPr>
           <a:xfrm>
-            <a:off x="3679721" y="4967979"/>
+            <a:off x="4098470" y="5130035"/>
             <a:ext cx="7430239" cy="738664"/>
           </a:xfrm>
           <a:prstGeom prst="rect">
@@ -32209,7 +32296,7 @@
         </p:nvSpPr>
         <p:spPr>
           <a:xfrm>
-            <a:off x="1384143" y="2705417"/>
+            <a:off x="3477782" y="3138456"/>
             <a:ext cx="574196" cy="307777"/>
           </a:xfrm>
           <a:prstGeom prst="rect">
@@ -32223,10 +32310,22 @@
           <a:lstStyle/>
           <a:p>
             <a:r>
-              <a:rPr lang="en-US" b="1" dirty="0" smtClean="0"/>
+              <a:rPr lang="en-US" b="1" dirty="0" smtClean="0">
+                <a:solidFill>
+                  <a:schemeClr val="accent4">
+                    <a:lumMod val="50000"/>
+                  </a:schemeClr>
+                </a:solidFill>
+              </a:rPr>
               <a:t>MVP</a:t>
             </a:r>
-            <a:endParaRPr lang="ru-RU" b="1" dirty="0"/>
+            <a:endParaRPr lang="ru-RU" b="1" dirty="0">
+              <a:solidFill>
+                <a:schemeClr val="accent4">
+                  <a:lumMod val="50000"/>
+                </a:schemeClr>
+              </a:solidFill>
+            </a:endParaRPr>
           </a:p>
         </p:txBody>
       </p:sp>
@@ -32238,7 +32337,7 @@
         </p:nvSpPr>
         <p:spPr>
           <a:xfrm>
-            <a:off x="1414622" y="4660202"/>
+            <a:off x="3497524" y="4507769"/>
             <a:ext cx="574196" cy="307777"/>
           </a:xfrm>
           <a:prstGeom prst="rect">
@@ -32252,10 +32351,55 @@
           <a:lstStyle/>
           <a:p>
             <a:r>
-              <a:rPr lang="en-US" b="1" dirty="0" smtClean="0"/>
+              <a:rPr lang="en-US" b="1" dirty="0" smtClean="0">
+                <a:solidFill>
+                  <a:srgbClr val="C00000"/>
+                </a:solidFill>
+              </a:rPr>
               <a:t>POC</a:t>
             </a:r>
-            <a:endParaRPr lang="ru-RU" b="1" dirty="0"/>
+            <a:endParaRPr lang="ru-RU" b="1" dirty="0">
+              <a:solidFill>
+                <a:srgbClr val="C00000"/>
+              </a:solidFill>
+            </a:endParaRPr>
+          </a:p>
+        </p:txBody>
+      </p:sp>
+      <p:sp>
+        <p:nvSpPr>
+          <p:cNvPr id="9" name="Прямоугольник 8"/>
+          <p:cNvSpPr/>
+          <p:nvPr/>
+        </p:nvSpPr>
+        <p:spPr>
+          <a:xfrm>
+            <a:off x="3505038" y="1777954"/>
+            <a:ext cx="593432" cy="307777"/>
+          </a:xfrm>
+          <a:prstGeom prst="rect">
+            <a:avLst/>
+          </a:prstGeom>
+        </p:spPr>
+        <p:txBody>
+          <a:bodyPr wrap="none">
+            <a:spAutoFit/>
+          </a:bodyPr>
+          <a:lstStyle/>
+          <a:p>
+            <a:r>
+              <a:rPr lang="en-US" b="1" dirty="0" smtClean="0">
+                <a:solidFill>
+                  <a:srgbClr val="00B050"/>
+                </a:solidFill>
+              </a:rPr>
+              <a:t>Prod</a:t>
+            </a:r>
+            <a:endParaRPr lang="ru-RU" b="1" dirty="0">
+              <a:solidFill>
+                <a:srgbClr val="00B050"/>
+              </a:solidFill>
+            </a:endParaRPr>
           </a:p>
         </p:txBody>
       </p:sp>
@@ -33476,8 +33620,44 @@
                 <a:ea typeface="Roboto" panose="02000000000000000000" pitchFamily="2" charset="0"/>
                 <a:cs typeface="Roboto" panose="02000000000000000000" pitchFamily="2" charset="0"/>
               </a:rPr>
-              <a:t> (Идеальный Конечный Результат) в ТРИЗ (Теория Решения Изобретательских Задач)</a:t>
-            </a:r>
+              <a:t> (Идеальный Конечный Результат) в ТРИЗ (Теория Решения Изобретательских Задач</a:t>
+            </a:r>
+            <a:r>
+              <a:rPr lang="ru-RU" sz="2400" dirty="0" smtClean="0">
+                <a:latin typeface="Roboto" panose="02000000000000000000" pitchFamily="2" charset="0"/>
+                <a:ea typeface="Roboto" panose="02000000000000000000" pitchFamily="2" charset="0"/>
+                <a:cs typeface="Roboto" panose="02000000000000000000" pitchFamily="2" charset="0"/>
+              </a:rPr>
+              <a:t>)</a:t>
+            </a:r>
+            <a:endParaRPr lang="en-US" sz="2400" dirty="0" smtClean="0">
+              <a:latin typeface="Roboto" panose="02000000000000000000" pitchFamily="2" charset="0"/>
+              <a:ea typeface="Roboto" panose="02000000000000000000" pitchFamily="2" charset="0"/>
+              <a:cs typeface="Roboto" panose="02000000000000000000" pitchFamily="2" charset="0"/>
+            </a:endParaRPr>
+          </a:p>
+          <a:p>
+            <a:r>
+              <a:rPr lang="ru-RU" sz="2400" b="1" dirty="0" smtClean="0">
+                <a:latin typeface="Roboto" panose="02000000000000000000" pitchFamily="2" charset="0"/>
+                <a:ea typeface="Roboto" panose="02000000000000000000" pitchFamily="2" charset="0"/>
+                <a:cs typeface="Roboto" panose="02000000000000000000" pitchFamily="2" charset="0"/>
+              </a:rPr>
+              <a:t>Соколовская методология / </a:t>
+            </a:r>
+            <a:r>
+              <a:rPr lang="ru-RU" sz="2400" b="1" dirty="0" err="1" smtClean="0">
+                <a:latin typeface="Roboto" panose="02000000000000000000" pitchFamily="2" charset="0"/>
+                <a:ea typeface="Roboto" panose="02000000000000000000" pitchFamily="2" charset="0"/>
+                <a:cs typeface="Roboto" panose="02000000000000000000" pitchFamily="2" charset="0"/>
+              </a:rPr>
+              <a:t>Щедравитский</a:t>
+            </a:r>
+            <a:endParaRPr lang="ru-RU" sz="2400" b="1" dirty="0">
+              <a:latin typeface="Roboto" panose="02000000000000000000" pitchFamily="2" charset="0"/>
+              <a:ea typeface="Roboto" panose="02000000000000000000" pitchFamily="2" charset="0"/>
+              <a:cs typeface="Roboto" panose="02000000000000000000" pitchFamily="2" charset="0"/>
+            </a:endParaRPr>
           </a:p>
         </p:txBody>
       </p:sp>
